--- a/ppt slide/project_presentation.pptx
+++ b/ppt slide/project_presentation.pptx
@@ -209,7 +209,7 @@
           <a:p>
             <a:fld id="{9E990450-3D7F-4F51-987F-617701DBF2A9}" type="datetimeFigureOut">
               <a:rPr lang="en-US" smtClean="0"/>
-              <a:t>1/13/2026</a:t>
+              <a:t>1/18/2026</a:t>
             </a:fld>
             <a:endParaRPr lang="en-US"/>
           </a:p>
@@ -623,7 +623,7 @@
           <a:p>
             <a:fld id="{738C750D-65F3-4071-ACB3-C87FC137CBC5}" type="datetime1">
               <a:rPr lang="en-US" smtClean="0"/>
-              <a:t>1/13/2026</a:t>
+              <a:t>1/18/2026</a:t>
             </a:fld>
             <a:endParaRPr lang="en-US"/>
           </a:p>
@@ -821,7 +821,7 @@
           <a:p>
             <a:fld id="{B255A609-6DA8-419E-A444-6DC6A54DE61F}" type="datetime1">
               <a:rPr lang="en-US" smtClean="0"/>
-              <a:t>1/13/2026</a:t>
+              <a:t>1/18/2026</a:t>
             </a:fld>
             <a:endParaRPr lang="en-US"/>
           </a:p>
@@ -1029,7 +1029,7 @@
           <a:p>
             <a:fld id="{EF0C6710-C41C-4BE2-AC03-003D6E66644F}" type="datetime1">
               <a:rPr lang="en-US" smtClean="0"/>
-              <a:t>1/13/2026</a:t>
+              <a:t>1/18/2026</a:t>
             </a:fld>
             <a:endParaRPr lang="en-US"/>
           </a:p>
@@ -1227,7 +1227,7 @@
           <a:p>
             <a:fld id="{10813DCB-6D46-4AB5-BE0B-0D2870372F88}" type="datetime1">
               <a:rPr lang="en-US" smtClean="0"/>
-              <a:t>1/13/2026</a:t>
+              <a:t>1/18/2026</a:t>
             </a:fld>
             <a:endParaRPr lang="en-US"/>
           </a:p>
@@ -1502,7 +1502,7 @@
           <a:p>
             <a:fld id="{C19679C2-1A36-4D04-93A4-0035FB0F8716}" type="datetime1">
               <a:rPr lang="en-US" smtClean="0"/>
-              <a:t>1/13/2026</a:t>
+              <a:t>1/18/2026</a:t>
             </a:fld>
             <a:endParaRPr lang="en-US"/>
           </a:p>
@@ -1767,7 +1767,7 @@
           <a:p>
             <a:fld id="{E0E3BCFC-852E-42F0-8951-12E07C4013E5}" type="datetime1">
               <a:rPr lang="en-US" smtClean="0"/>
-              <a:t>1/13/2026</a:t>
+              <a:t>1/18/2026</a:t>
             </a:fld>
             <a:endParaRPr lang="en-US"/>
           </a:p>
@@ -2179,7 +2179,7 @@
           <a:p>
             <a:fld id="{9BCA57EC-7502-4787-A5F4-26BBB15D4222}" type="datetime1">
               <a:rPr lang="en-US" smtClean="0"/>
-              <a:t>1/13/2026</a:t>
+              <a:t>1/18/2026</a:t>
             </a:fld>
             <a:endParaRPr lang="en-US"/>
           </a:p>
@@ -2320,7 +2320,7 @@
           <a:p>
             <a:fld id="{D85CEB1E-6706-424E-A62A-0786AFC6DFAB}" type="datetime1">
               <a:rPr lang="en-US" smtClean="0"/>
-              <a:t>1/13/2026</a:t>
+              <a:t>1/18/2026</a:t>
             </a:fld>
             <a:endParaRPr lang="en-US"/>
           </a:p>
@@ -2433,7 +2433,7 @@
           <a:p>
             <a:fld id="{E4E4CEB8-1989-41D9-9D54-193B1B011A53}" type="datetime1">
               <a:rPr lang="en-US" smtClean="0"/>
-              <a:t>1/13/2026</a:t>
+              <a:t>1/18/2026</a:t>
             </a:fld>
             <a:endParaRPr lang="en-US"/>
           </a:p>
@@ -2744,7 +2744,7 @@
           <a:p>
             <a:fld id="{A6CB69E8-5C3B-4B7E-9B52-772C14B2D6E7}" type="datetime1">
               <a:rPr lang="en-US" smtClean="0"/>
-              <a:t>1/13/2026</a:t>
+              <a:t>1/18/2026</a:t>
             </a:fld>
             <a:endParaRPr lang="en-US"/>
           </a:p>
@@ -3032,7 +3032,7 @@
           <a:p>
             <a:fld id="{3154AF06-96EC-4DBF-8265-C4B9D16F5434}" type="datetime1">
               <a:rPr lang="en-US" smtClean="0"/>
-              <a:t>1/13/2026</a:t>
+              <a:t>1/18/2026</a:t>
             </a:fld>
             <a:endParaRPr lang="en-US"/>
           </a:p>
@@ -3276,7 +3276,7 @@
           <a:p>
             <a:fld id="{C47E583A-7484-431F-A48F-EF3046FA3502}" type="datetime1">
               <a:rPr lang="en-US" smtClean="0"/>
-              <a:t>1/13/2026</a:t>
+              <a:t>1/18/2026</a:t>
             </a:fld>
             <a:endParaRPr lang="en-US"/>
           </a:p>
@@ -5090,7 +5090,7 @@
                 <a:latin typeface="Times New Roman" panose="02020603050405020304" pitchFamily="18" charset="0"/>
                 <a:cs typeface="Times New Roman" panose="02020603050405020304" pitchFamily="18" charset="0"/>
               </a:rPr>
-              <a:t>MQTT Protocol used , QoS : 1 enabled , Data format: JSON</a:t>
+              <a:t>MQTT Protocol used , QoS : 1 (Pub) ,QoS : 2 (Subs) , Data format: JSON</a:t>
             </a:r>
           </a:p>
           <a:p>
@@ -5152,7 +5152,7 @@
                 <a:latin typeface="Times New Roman" panose="02020603050405020304" pitchFamily="18" charset="0"/>
                 <a:cs typeface="Times New Roman" panose="02020603050405020304" pitchFamily="18" charset="0"/>
               </a:rPr>
-              <a:t>In memory storage ,MQTT Protocol , QoS: 1 enabled, deployed using Docker</a:t>
+              <a:t>In memory storage ,MQTT Protocol , QoS: 1 &amp; 2 enabled, deployed using Docker</a:t>
             </a:r>
           </a:p>
         </p:txBody>
@@ -5336,7 +5336,7 @@
                 <a:latin typeface="Times New Roman" panose="02020603050405020304" pitchFamily="18" charset="0"/>
                 <a:cs typeface="Times New Roman" panose="02020603050405020304" pitchFamily="18" charset="0"/>
               </a:rPr>
-              <a:t>MQTT Protocol &amp; HTTP used, in memory data storage , QoS : 1 enabled , Data format: JSON , deployed using Docker.</a:t>
+              <a:t>MQTT Protocol &amp; HTTP used, in memory data storage , QoS : 1 &amp; 2 enabled , Data format: JSON , deployed using Docker.</a:t>
             </a:r>
           </a:p>
           <a:p>

--- a/ppt slide/project_presentation.pptx
+++ b/ppt slide/project_presentation.pptx
@@ -209,7 +209,7 @@
           <a:p>
             <a:fld id="{9E990450-3D7F-4F51-987F-617701DBF2A9}" type="datetimeFigureOut">
               <a:rPr lang="en-US" smtClean="0"/>
-              <a:t>1/18/2026</a:t>
+              <a:t>1/19/2026</a:t>
             </a:fld>
             <a:endParaRPr lang="en-US"/>
           </a:p>
@@ -623,7 +623,7 @@
           <a:p>
             <a:fld id="{738C750D-65F3-4071-ACB3-C87FC137CBC5}" type="datetime1">
               <a:rPr lang="en-US" smtClean="0"/>
-              <a:t>1/18/2026</a:t>
+              <a:t>1/19/2026</a:t>
             </a:fld>
             <a:endParaRPr lang="en-US"/>
           </a:p>
@@ -821,7 +821,7 @@
           <a:p>
             <a:fld id="{B255A609-6DA8-419E-A444-6DC6A54DE61F}" type="datetime1">
               <a:rPr lang="en-US" smtClean="0"/>
-              <a:t>1/18/2026</a:t>
+              <a:t>1/19/2026</a:t>
             </a:fld>
             <a:endParaRPr lang="en-US"/>
           </a:p>
@@ -1029,7 +1029,7 @@
           <a:p>
             <a:fld id="{EF0C6710-C41C-4BE2-AC03-003D6E66644F}" type="datetime1">
               <a:rPr lang="en-US" smtClean="0"/>
-              <a:t>1/18/2026</a:t>
+              <a:t>1/19/2026</a:t>
             </a:fld>
             <a:endParaRPr lang="en-US"/>
           </a:p>
@@ -1227,7 +1227,7 @@
           <a:p>
             <a:fld id="{10813DCB-6D46-4AB5-BE0B-0D2870372F88}" type="datetime1">
               <a:rPr lang="en-US" smtClean="0"/>
-              <a:t>1/18/2026</a:t>
+              <a:t>1/19/2026</a:t>
             </a:fld>
             <a:endParaRPr lang="en-US"/>
           </a:p>
@@ -1502,7 +1502,7 @@
           <a:p>
             <a:fld id="{C19679C2-1A36-4D04-93A4-0035FB0F8716}" type="datetime1">
               <a:rPr lang="en-US" smtClean="0"/>
-              <a:t>1/18/2026</a:t>
+              <a:t>1/19/2026</a:t>
             </a:fld>
             <a:endParaRPr lang="en-US"/>
           </a:p>
@@ -1767,7 +1767,7 @@
           <a:p>
             <a:fld id="{E0E3BCFC-852E-42F0-8951-12E07C4013E5}" type="datetime1">
               <a:rPr lang="en-US" smtClean="0"/>
-              <a:t>1/18/2026</a:t>
+              <a:t>1/19/2026</a:t>
             </a:fld>
             <a:endParaRPr lang="en-US"/>
           </a:p>
@@ -2179,7 +2179,7 @@
           <a:p>
             <a:fld id="{9BCA57EC-7502-4787-A5F4-26BBB15D4222}" type="datetime1">
               <a:rPr lang="en-US" smtClean="0"/>
-              <a:t>1/18/2026</a:t>
+              <a:t>1/19/2026</a:t>
             </a:fld>
             <a:endParaRPr lang="en-US"/>
           </a:p>
@@ -2320,7 +2320,7 @@
           <a:p>
             <a:fld id="{D85CEB1E-6706-424E-A62A-0786AFC6DFAB}" type="datetime1">
               <a:rPr lang="en-US" smtClean="0"/>
-              <a:t>1/18/2026</a:t>
+              <a:t>1/19/2026</a:t>
             </a:fld>
             <a:endParaRPr lang="en-US"/>
           </a:p>
@@ -2433,7 +2433,7 @@
           <a:p>
             <a:fld id="{E4E4CEB8-1989-41D9-9D54-193B1B011A53}" type="datetime1">
               <a:rPr lang="en-US" smtClean="0"/>
-              <a:t>1/18/2026</a:t>
+              <a:t>1/19/2026</a:t>
             </a:fld>
             <a:endParaRPr lang="en-US"/>
           </a:p>
@@ -2744,7 +2744,7 @@
           <a:p>
             <a:fld id="{A6CB69E8-5C3B-4B7E-9B52-772C14B2D6E7}" type="datetime1">
               <a:rPr lang="en-US" smtClean="0"/>
-              <a:t>1/18/2026</a:t>
+              <a:t>1/19/2026</a:t>
             </a:fld>
             <a:endParaRPr lang="en-US"/>
           </a:p>
@@ -3032,7 +3032,7 @@
           <a:p>
             <a:fld id="{3154AF06-96EC-4DBF-8265-C4B9D16F5434}" type="datetime1">
               <a:rPr lang="en-US" smtClean="0"/>
-              <a:t>1/18/2026</a:t>
+              <a:t>1/19/2026</a:t>
             </a:fld>
             <a:endParaRPr lang="en-US"/>
           </a:p>
@@ -3276,7 +3276,7 @@
           <a:p>
             <a:fld id="{C47E583A-7484-431F-A48F-EF3046FA3502}" type="datetime1">
               <a:rPr lang="en-US" smtClean="0"/>
-              <a:t>1/18/2026</a:t>
+              <a:t>1/19/2026</a:t>
             </a:fld>
             <a:endParaRPr lang="en-US"/>
           </a:p>
@@ -4548,7 +4548,12 @@
             <p:ph idx="1"/>
           </p:nvPr>
         </p:nvSpPr>
-        <p:spPr/>
+        <p:spPr>
+          <a:xfrm>
+            <a:off x="838200" y="1594779"/>
+            <a:ext cx="11353801" cy="4530726"/>
+          </a:xfrm>
+        </p:spPr>
         <p:txBody>
           <a:bodyPr/>
           <a:lstStyle/>
@@ -4576,7 +4581,7 @@
                 <a:latin typeface="Times New Roman" panose="02020603050405020304" pitchFamily="18" charset="0"/>
                 <a:cs typeface="Times New Roman" panose="02020603050405020304" pitchFamily="18" charset="0"/>
               </a:rPr>
-              <a:t>MQTT protocol for backend services , HTTP protocol for front end</a:t>
+              <a:t>MQTT protocol for IoT robots &amp; backend services , HTTP protocol for front end</a:t>
             </a:r>
           </a:p>
           <a:p>
@@ -4588,6 +4593,44 @@
               <a:t>Scalable, modular and portable</a:t>
             </a:r>
           </a:p>
+          <a:p>
+            <a:pPr marL="0" indent="0">
+              <a:buNone/>
+            </a:pPr>
+            <a:endParaRPr lang="en-US" dirty="0">
+              <a:latin typeface="Times New Roman" panose="02020603050405020304" pitchFamily="18" charset="0"/>
+              <a:cs typeface="Times New Roman" panose="02020603050405020304" pitchFamily="18" charset="0"/>
+            </a:endParaRPr>
+          </a:p>
+          <a:p>
+            <a:pPr marL="0" indent="0">
+              <a:buNone/>
+            </a:pPr>
+            <a:r>
+              <a:rPr lang="en-US" b="1" dirty="0">
+                <a:latin typeface="Times New Roman" panose="02020603050405020304" pitchFamily="18" charset="0"/>
+                <a:cs typeface="Times New Roman" panose="02020603050405020304" pitchFamily="18" charset="0"/>
+              </a:rPr>
+              <a:t>GITHUB Repository:</a:t>
+            </a:r>
+          </a:p>
+          <a:p>
+            <a:pPr marL="0" indent="0">
+              <a:buNone/>
+            </a:pPr>
+            <a:r>
+              <a:rPr lang="en-US" dirty="0">
+                <a:latin typeface="Times New Roman" panose="02020603050405020304" pitchFamily="18" charset="0"/>
+                <a:cs typeface="Times New Roman" panose="02020603050405020304" pitchFamily="18" charset="0"/>
+                <a:hlinkClick r:id="rId2"/>
+              </a:rPr>
+              <a:t>https://github.com/s-ziauddin/Distributed_IoT_Software_Architecture_Project</a:t>
+            </a:r>
+            <a:endParaRPr lang="en-US" dirty="0">
+              <a:latin typeface="Times New Roman" panose="02020603050405020304" pitchFamily="18" charset="0"/>
+              <a:cs typeface="Times New Roman" panose="02020603050405020304" pitchFamily="18" charset="0"/>
+            </a:endParaRPr>
+          </a:p>
         </p:txBody>
       </p:sp>
       <p:sp>
@@ -4615,7 +4658,7 @@
               <a:rPr lang="en-US" smtClean="0"/>
               <a:t>3</a:t>
             </a:fld>
-            <a:endParaRPr lang="en-US"/>
+            <a:endParaRPr lang="en-US" dirty="0"/>
           </a:p>
         </p:txBody>
       </p:sp>
